--- a/The BOSS - SSH 2026.pptx
+++ b/The BOSS - SSH 2026.pptx
@@ -12,6 +12,7 @@
     <p:sldId id="260" r:id="rId6"/>
     <p:sldId id="261" r:id="rId7"/>
     <p:sldId id="262" r:id="rId8"/>
+    <p:sldId id="264" r:id="rId9"/>
   </p:sldIdLst>
   <p:sldSz cx="12192000" cy="6858000"/>
   <p:notesSz cx="6858000" cy="9144000"/>
@@ -3597,7 +3598,7 @@
             </a:r>
             <a:r>
               <a:rPr lang="en-US" sz="2500" b="1" dirty="0"/>
-              <a:t>The BOSS </a:t>
+              <a:t>THE BOSS </a:t>
             </a:r>
           </a:p>
           <a:p>
@@ -3953,7 +3954,7 @@
         </p:nvCxnSpPr>
         <p:spPr>
           <a:xfrm>
-            <a:off x="454740" y="3684985"/>
+            <a:off x="454740" y="3694316"/>
             <a:ext cx="11253019" cy="0"/>
           </a:xfrm>
           <a:prstGeom prst="line">
@@ -3982,51 +3983,6 @@
           </a:fontRef>
         </p:style>
       </p:cxnSp>
-      <p:sp>
-        <p:nvSpPr>
-          <p:cNvPr id="3" name="TextBox 2">
-            <a:extLst>
-              <a:ext uri="{FF2B5EF4-FFF2-40B4-BE49-F238E27FC236}">
-                <a16:creationId xmlns:a16="http://schemas.microsoft.com/office/drawing/2014/main" id="{8A1DB39F-1ED7-0B94-CAA0-8EED25521B0E}"/>
-              </a:ext>
-            </a:extLst>
-          </p:cNvPr>
-          <p:cNvSpPr txBox="1"/>
-          <p:nvPr/>
-        </p:nvSpPr>
-        <p:spPr>
-          <a:xfrm>
-            <a:off x="4456973" y="3081737"/>
-            <a:ext cx="7781729" cy="477054"/>
-          </a:xfrm>
-          <a:prstGeom prst="rect">
-            <a:avLst/>
-          </a:prstGeom>
-          <a:noFill/>
-        </p:spPr>
-        <p:txBody>
-          <a:bodyPr wrap="square" rtlCol="0">
-            <a:spAutoFit/>
-          </a:bodyPr>
-          <a:lstStyle/>
-          <a:p>
-            <a:r>
-              <a:rPr lang="en-IN" sz="2500" b="1" dirty="0">
-                <a:solidFill>
-                  <a:schemeClr val="accent1">
-                    <a:lumMod val="75000"/>
-                  </a:schemeClr>
-                </a:solidFill>
-              </a:rPr>
-              <a:t>Prototype Link : </a:t>
-            </a:r>
-            <a:r>
-              <a:rPr lang="en-IN" sz="2500" b="1" dirty="0"/>
-              <a:t>https://gyanshala-delta.vercel.app/</a:t>
-            </a:r>
-          </a:p>
-        </p:txBody>
-      </p:sp>
     </p:spTree>
     <p:extLst>
       <p:ext uri="{BB962C8B-B14F-4D97-AF65-F5344CB8AC3E}">
@@ -4593,7 +4549,7 @@
         <p:spPr>
           <a:xfrm>
             <a:off x="611924" y="743959"/>
-            <a:ext cx="4506613" cy="5093702"/>
+            <a:ext cx="4506613" cy="5478423"/>
           </a:xfrm>
           <a:prstGeom prst="rect">
             <a:avLst/>
@@ -4727,6 +4683,22 @@
             <a:r>
               <a:rPr lang="en-US" sz="2500" dirty="0"/>
               <a:t>(Styling)</a:t>
+            </a:r>
+          </a:p>
+          <a:p>
+            <a:r>
+              <a:rPr lang="en-US" sz="2500" dirty="0">
+                <a:solidFill>
+                  <a:schemeClr val="accent1">
+                    <a:lumMod val="75000"/>
+                  </a:schemeClr>
+                </a:solidFill>
+              </a:rPr>
+              <a:t>Api Keys : </a:t>
+            </a:r>
+            <a:r>
+              <a:rPr lang="en-US" sz="2500" dirty="0"/>
+              <a:t>GROQ Api </a:t>
             </a:r>
           </a:p>
         </p:txBody>
@@ -4813,7 +4785,7 @@
         </p:blipFill>
         <p:spPr>
           <a:xfrm>
-            <a:off x="5549461" y="1766393"/>
+            <a:off x="5334913" y="1461416"/>
             <a:ext cx="5475891" cy="3621850"/>
           </a:xfrm>
           <a:prstGeom prst="rect">
@@ -4835,7 +4807,7 @@
         </p:nvSpPr>
         <p:spPr>
           <a:xfrm>
-            <a:off x="6526925" y="1120766"/>
+            <a:off x="6405627" y="826418"/>
             <a:ext cx="7504386" cy="477054"/>
           </a:xfrm>
           <a:prstGeom prst="rect">
@@ -4876,8 +4848,8 @@
         </p:nvSpPr>
         <p:spPr>
           <a:xfrm>
-            <a:off x="485803" y="508819"/>
-            <a:ext cx="4506612" cy="5840361"/>
+            <a:off x="476863" y="508819"/>
+            <a:ext cx="4053705" cy="5840361"/>
           </a:xfrm>
           <a:prstGeom prst="rect">
             <a:avLst/>
@@ -4930,7 +4902,7 @@
         </p:nvSpPr>
         <p:spPr>
           <a:xfrm>
-            <a:off x="5767552" y="4056257"/>
+            <a:off x="5804875" y="3524412"/>
             <a:ext cx="6771289" cy="323165"/>
           </a:xfrm>
           <a:prstGeom prst="rect">
@@ -4948,6 +4920,105 @@
               <a:rPr lang="en-IN" sz="1500" b="1" dirty="0"/>
               <a:t>Frontend</a:t>
             </a:r>
+          </a:p>
+        </p:txBody>
+      </p:sp>
+      <p:sp>
+        <p:nvSpPr>
+          <p:cNvPr id="3" name="TextBox 2">
+            <a:extLst>
+              <a:ext uri="{FF2B5EF4-FFF2-40B4-BE49-F238E27FC236}">
+                <a16:creationId xmlns:a16="http://schemas.microsoft.com/office/drawing/2014/main" id="{F4B19395-F4BC-FC1C-CF00-2332D67C0394}"/>
+              </a:ext>
+            </a:extLst>
+          </p:cNvPr>
+          <p:cNvSpPr txBox="1"/>
+          <p:nvPr/>
+        </p:nvSpPr>
+        <p:spPr>
+          <a:xfrm>
+            <a:off x="4530569" y="5554528"/>
+            <a:ext cx="7772534" cy="477054"/>
+          </a:xfrm>
+          <a:prstGeom prst="rect">
+            <a:avLst/>
+          </a:prstGeom>
+          <a:noFill/>
+        </p:spPr>
+        <p:txBody>
+          <a:bodyPr wrap="square">
+            <a:spAutoFit/>
+          </a:bodyPr>
+          <a:lstStyle/>
+          <a:p>
+            <a:r>
+              <a:rPr lang="en-IN" sz="2500" b="1" dirty="0">
+                <a:solidFill>
+                  <a:schemeClr val="accent1">
+                    <a:lumMod val="75000"/>
+                  </a:schemeClr>
+                </a:solidFill>
+              </a:rPr>
+              <a:t>Prototype Link : </a:t>
+            </a:r>
+            <a:r>
+              <a:rPr lang="en-IN" sz="2500" b="1" dirty="0"/>
+              <a:t>https://gyanshala-delta.vercel.app/</a:t>
+            </a:r>
+          </a:p>
+        </p:txBody>
+      </p:sp>
+      <p:sp>
+        <p:nvSpPr>
+          <p:cNvPr id="4" name="Rectangle 3">
+            <a:extLst>
+              <a:ext uri="{FF2B5EF4-FFF2-40B4-BE49-F238E27FC236}">
+                <a16:creationId xmlns:a16="http://schemas.microsoft.com/office/drawing/2014/main" id="{4EE05CF6-7B41-FC4C-D4A0-6FE27EBD1886}"/>
+              </a:ext>
+            </a:extLst>
+          </p:cNvPr>
+          <p:cNvSpPr/>
+          <p:nvPr/>
+        </p:nvSpPr>
+        <p:spPr>
+          <a:xfrm>
+            <a:off x="4530568" y="5327738"/>
+            <a:ext cx="7184568" cy="1021442"/>
+          </a:xfrm>
+          <a:prstGeom prst="rect">
+            <a:avLst/>
+          </a:prstGeom>
+          <a:noFill/>
+          <a:ln>
+            <a:solidFill>
+              <a:schemeClr val="accent6">
+                <a:lumMod val="75000"/>
+              </a:schemeClr>
+            </a:solidFill>
+          </a:ln>
+        </p:spPr>
+        <p:style>
+          <a:lnRef idx="2">
+            <a:schemeClr val="accent1">
+              <a:shade val="15000"/>
+            </a:schemeClr>
+          </a:lnRef>
+          <a:fillRef idx="1">
+            <a:schemeClr val="accent1"/>
+          </a:fillRef>
+          <a:effectRef idx="0">
+            <a:schemeClr val="accent1"/>
+          </a:effectRef>
+          <a:fontRef idx="minor">
+            <a:schemeClr val="lt1"/>
+          </a:fontRef>
+        </p:style>
+        <p:txBody>
+          <a:bodyPr rtlCol="0" anchor="ctr"/>
+          <a:lstStyle/>
+          <a:p>
+            <a:pPr algn="ctr"/>
+            <a:endParaRPr lang="en-IN"/>
           </a:p>
         </p:txBody>
       </p:sp>
@@ -5001,8 +5072,8 @@
         </p:nvSpPr>
         <p:spPr>
           <a:xfrm>
-            <a:off x="476861" y="508821"/>
-            <a:ext cx="11238271" cy="6168571"/>
+            <a:off x="476861" y="508822"/>
+            <a:ext cx="11238271" cy="5953834"/>
           </a:xfrm>
           <a:prstGeom prst="rect">
             <a:avLst/>
@@ -5159,7 +5230,7 @@
         </p:nvSpPr>
         <p:spPr>
           <a:xfrm>
-            <a:off x="580104" y="1358482"/>
+            <a:off x="529940" y="1323607"/>
             <a:ext cx="11238271" cy="4324261"/>
           </a:xfrm>
           <a:prstGeom prst="rect">
@@ -5224,7 +5295,7 @@
             </a:r>
             <a:r>
               <a:rPr lang="en-US" sz="2500" dirty="0"/>
-              <a:t> Updates on exams, courses, and financial aid reduce uncertainty.</a:t>
+              <a:t> Updates on exams, courses and financial aid reduce uncertainty.</a:t>
             </a:r>
           </a:p>
           <a:p>
@@ -5240,10 +5311,10 @@
       </p:sp>
       <p:sp>
         <p:nvSpPr>
-          <p:cNvPr id="17" name="Rectangle 16">
-            <a:extLst>
-              <a:ext uri="{FF2B5EF4-FFF2-40B4-BE49-F238E27FC236}">
-                <a16:creationId xmlns:a16="http://schemas.microsoft.com/office/drawing/2014/main" id="{2CCABB2D-E318-5A4F-136E-18D37A295F19}"/>
+          <p:cNvPr id="2" name="Rectangle 1">
+            <a:extLst>
+              <a:ext uri="{FF2B5EF4-FFF2-40B4-BE49-F238E27FC236}">
+                <a16:creationId xmlns:a16="http://schemas.microsoft.com/office/drawing/2014/main" id="{F8A0980F-0C68-BF03-8513-A93E46B32249}"/>
               </a:ext>
             </a:extLst>
           </p:cNvPr>
@@ -5251,9 +5322,9 @@
           <p:nvPr/>
         </p:nvSpPr>
         <p:spPr>
-          <a:xfrm flipV="1">
-            <a:off x="476862" y="6677392"/>
-            <a:ext cx="11238271" cy="45719"/>
+          <a:xfrm>
+            <a:off x="476861" y="4841653"/>
+            <a:ext cx="11238271" cy="1621002"/>
           </a:xfrm>
           <a:prstGeom prst="rect">
             <a:avLst/>
@@ -5289,6 +5360,77 @@
           <a:p>
             <a:pPr algn="ctr"/>
             <a:endParaRPr lang="en-IN"/>
+          </a:p>
+        </p:txBody>
+      </p:sp>
+      <p:sp>
+        <p:nvSpPr>
+          <p:cNvPr id="5" name="TextBox 4">
+            <a:extLst>
+              <a:ext uri="{FF2B5EF4-FFF2-40B4-BE49-F238E27FC236}">
+                <a16:creationId xmlns:a16="http://schemas.microsoft.com/office/drawing/2014/main" id="{323046DC-4766-53CC-B908-446D851DD641}"/>
+              </a:ext>
+            </a:extLst>
+          </p:cNvPr>
+          <p:cNvSpPr txBox="1"/>
+          <p:nvPr/>
+        </p:nvSpPr>
+        <p:spPr>
+          <a:xfrm>
+            <a:off x="529940" y="4841652"/>
+            <a:ext cx="6097554" cy="2400657"/>
+          </a:xfrm>
+          <a:prstGeom prst="rect">
+            <a:avLst/>
+          </a:prstGeom>
+          <a:noFill/>
+        </p:spPr>
+        <p:txBody>
+          <a:bodyPr wrap="square">
+            <a:spAutoFit/>
+          </a:bodyPr>
+          <a:lstStyle/>
+          <a:p>
+            <a:pPr>
+              <a:buNone/>
+            </a:pPr>
+            <a:r>
+              <a:rPr lang="en-US" sz="2500" b="1" dirty="0">
+                <a:solidFill>
+                  <a:schemeClr val="accent1">
+                    <a:lumMod val="75000"/>
+                  </a:schemeClr>
+                </a:solidFill>
+              </a:rPr>
+              <a:t>Future Enhancements : </a:t>
+            </a:r>
+          </a:p>
+          <a:p>
+            <a:r>
+              <a:rPr lang="en-US" sz="2500" b="1" dirty="0"/>
+              <a:t>- Adaptive Learning System</a:t>
+            </a:r>
+          </a:p>
+          <a:p>
+            <a:r>
+              <a:rPr lang="en-US" sz="2500" b="1" dirty="0"/>
+              <a:t>- Advanced Offline Synchronization</a:t>
+            </a:r>
+          </a:p>
+          <a:p>
+            <a:r>
+              <a:rPr lang="en-US" sz="2500" b="1" dirty="0"/>
+              <a:t>- Live Mentorship &amp; Community Support</a:t>
+            </a:r>
+          </a:p>
+          <a:p>
+            <a:pPr>
+              <a:buNone/>
+            </a:pPr>
+            <a:endParaRPr lang="en-US" sz="2500" dirty="0"/>
+          </a:p>
+          <a:p>
+            <a:endParaRPr lang="en-US" sz="2500" dirty="0"/>
           </a:p>
         </p:txBody>
       </p:sp>
@@ -5453,7 +5595,7 @@
           <a:p>
             <a:r>
               <a:rPr lang="en-US" sz="2500" dirty="0"/>
-              <a:t>AI-powered learning recommendations based on student performance, smart doubt-resolution assistant, lightweight web + mobile platform, and dashboards for tracking progress, scores, and improvement trends.</a:t>
+              <a:t>AI-powered learning recommendations based on student performance, smart doubt-resolution assistant, lightweight web + mobile platform and dashboards for tracking progress, scores, and improvement trends.</a:t>
             </a:r>
           </a:p>
           <a:p>
@@ -5465,7 +5607,7 @@
           <a:p>
             <a:r>
               <a:rPr lang="en-US" sz="2500" dirty="0"/>
-              <a:t>Simple and clean interface for Class 10th and 12th students, multilingual support, mobile-friendly design, and step-by-step guided learning so even average students can use it easily without technical knowledge.</a:t>
+              <a:t>Simple and clean interface for Class 10th and 12th students, multilingual support, mobile-friendly design and step-by-step guided learning so even average students can use it easily without technical knowledge.</a:t>
             </a:r>
           </a:p>
           <a:p>
@@ -5477,7 +5619,7 @@
           <a:p>
             <a:r>
               <a:rPr lang="en-US" sz="2500" dirty="0"/>
-              <a:t>Built using open-source tools to reduce development cost, scalable cloud deployment, and a low-maintenance model that can be adopted by schools at minimal expense.</a:t>
+              <a:t>Built using open-source tools to reduce development cost, scalable cloud deployment and a low-maintenance model that can be adopted by schools at minimal expense.</a:t>
             </a:r>
           </a:p>
         </p:txBody>
@@ -5808,12 +5950,51 @@
           </a:p>
         </p:txBody>
       </p:sp>
+      <p:sp>
+        <p:nvSpPr>
+          <p:cNvPr id="6" name="TextBox 5">
+            <a:extLst>
+              <a:ext uri="{FF2B5EF4-FFF2-40B4-BE49-F238E27FC236}">
+                <a16:creationId xmlns:a16="http://schemas.microsoft.com/office/drawing/2014/main" id="{E6DF1B46-C545-C5AE-7DF1-F7A771BCC463}"/>
+              </a:ext>
+            </a:extLst>
+          </p:cNvPr>
+          <p:cNvSpPr txBox="1"/>
+          <p:nvPr/>
+        </p:nvSpPr>
+        <p:spPr>
+          <a:xfrm>
+            <a:off x="3532936" y="1082158"/>
+            <a:ext cx="8015286" cy="369332"/>
+          </a:xfrm>
+          <a:prstGeom prst="rect">
+            <a:avLst/>
+          </a:prstGeom>
+          <a:noFill/>
+        </p:spPr>
+        <p:txBody>
+          <a:bodyPr wrap="square">
+            <a:spAutoFit/>
+          </a:bodyPr>
+          <a:lstStyle/>
+          <a:p>
+            <a:pPr>
+              <a:buNone/>
+            </a:pPr>
+            <a:r>
+              <a:rPr lang="en-US" b="1" dirty="0"/>
+              <a:t>Website View </a:t>
+            </a:r>
+            <a:endParaRPr lang="en-US" sz="1800" b="1" dirty="0"/>
+          </a:p>
+        </p:txBody>
+      </p:sp>
       <p:pic>
         <p:nvPicPr>
-          <p:cNvPr id="17" name="Picture 16">
-            <a:extLst>
-              <a:ext uri="{FF2B5EF4-FFF2-40B4-BE49-F238E27FC236}">
-                <a16:creationId xmlns:a16="http://schemas.microsoft.com/office/drawing/2014/main" id="{858E0950-F304-43BF-5316-F6B38B547894}"/>
+          <p:cNvPr id="8" name="Picture 7">
+            <a:extLst>
+              <a:ext uri="{FF2B5EF4-FFF2-40B4-BE49-F238E27FC236}">
+                <a16:creationId xmlns:a16="http://schemas.microsoft.com/office/drawing/2014/main" id="{7E11E7DF-C808-E0CA-89BF-29BD3AD3AFEC}"/>
               </a:ext>
             </a:extLst>
           </p:cNvPr>
@@ -5823,33 +6004,58 @@
           <p:nvPr/>
         </p:nvPicPr>
         <p:blipFill>
-          <a:blip r:embed="rId2">
-            <a:extLst>
-              <a:ext uri="{28A0092B-C50C-407E-A947-70E740481C1C}">
-                <a14:useLocalDpi xmlns:a14="http://schemas.microsoft.com/office/drawing/2010/main" val="0"/>
-              </a:ext>
-            </a:extLst>
-          </a:blip>
+          <a:blip r:embed="rId2"/>
           <a:stretch>
             <a:fillRect/>
           </a:stretch>
         </p:blipFill>
         <p:spPr>
           <a:xfrm>
-            <a:off x="484937" y="1336430"/>
-            <a:ext cx="2414231" cy="4978961"/>
+            <a:off x="562368" y="1451490"/>
+            <a:ext cx="7714857" cy="4654035"/>
           </a:xfrm>
           <a:prstGeom prst="rect">
             <a:avLst/>
           </a:prstGeom>
         </p:spPr>
       </p:pic>
-      <p:sp>
-        <p:nvSpPr>
-          <p:cNvPr id="20" name="TextBox 19">
-            <a:extLst>
-              <a:ext uri="{FF2B5EF4-FFF2-40B4-BE49-F238E27FC236}">
-                <a16:creationId xmlns:a16="http://schemas.microsoft.com/office/drawing/2014/main" id="{CA089A76-8AA5-CE07-BA82-24C52753A0FE}"/>
+      <p:pic>
+        <p:nvPicPr>
+          <p:cNvPr id="10" name="Picture 9">
+            <a:extLst>
+              <a:ext uri="{FF2B5EF4-FFF2-40B4-BE49-F238E27FC236}">
+                <a16:creationId xmlns:a16="http://schemas.microsoft.com/office/drawing/2014/main" id="{882AB364-C8F6-D3E1-F4B7-E85289CC6D3F}"/>
+              </a:ext>
+            </a:extLst>
+          </p:cNvPr>
+          <p:cNvPicPr>
+            <a:picLocks noChangeAspect="1"/>
+          </p:cNvPicPr>
+          <p:nvPr/>
+        </p:nvPicPr>
+        <p:blipFill>
+          <a:blip r:embed="rId3"/>
+          <a:srcRect t="5416" b="12545"/>
+          <a:stretch>
+            <a:fillRect/>
+          </a:stretch>
+        </p:blipFill>
+        <p:spPr>
+          <a:xfrm>
+            <a:off x="8664676" y="1524953"/>
+            <a:ext cx="2758269" cy="4690551"/>
+          </a:xfrm>
+          <a:prstGeom prst="rect">
+            <a:avLst/>
+          </a:prstGeom>
+        </p:spPr>
+      </p:pic>
+      <p:sp>
+        <p:nvSpPr>
+          <p:cNvPr id="11" name="TextBox 10">
+            <a:extLst>
+              <a:ext uri="{FF2B5EF4-FFF2-40B4-BE49-F238E27FC236}">
+                <a16:creationId xmlns:a16="http://schemas.microsoft.com/office/drawing/2014/main" id="{103AB815-7753-76A7-1F24-837BDDE6A833}"/>
               </a:ext>
             </a:extLst>
           </p:cNvPr>
@@ -5858,8 +6064,8 @@
         </p:nvSpPr>
         <p:spPr>
           <a:xfrm>
-            <a:off x="1101757" y="1003983"/>
-            <a:ext cx="1716270" cy="369332"/>
+            <a:off x="9057436" y="1082158"/>
+            <a:ext cx="8015286" cy="369332"/>
           </a:xfrm>
           <a:prstGeom prst="rect">
             <a:avLst/>
@@ -5867,24 +6073,28 @@
           <a:noFill/>
         </p:spPr>
         <p:txBody>
-          <a:bodyPr wrap="square" rtlCol="0">
+          <a:bodyPr wrap="square">
             <a:spAutoFit/>
           </a:bodyPr>
           <a:lstStyle/>
           <a:p>
-            <a:r>
-              <a:rPr lang="en-IN" b="1" dirty="0"/>
-              <a:t>App View</a:t>
-            </a:r>
-          </a:p>
-        </p:txBody>
-      </p:sp>
-      <p:sp>
-        <p:nvSpPr>
-          <p:cNvPr id="21" name="Rectangle 20">
-            <a:extLst>
-              <a:ext uri="{FF2B5EF4-FFF2-40B4-BE49-F238E27FC236}">
-                <a16:creationId xmlns:a16="http://schemas.microsoft.com/office/drawing/2014/main" id="{F47D8B7B-0CF2-2C0E-100A-2D8BB223142B}"/>
+            <a:pPr>
+              <a:buNone/>
+            </a:pPr>
+            <a:r>
+              <a:rPr lang="en-US" b="1" dirty="0"/>
+              <a:t>Mobile App View </a:t>
+            </a:r>
+            <a:endParaRPr lang="en-US" sz="1800" b="1" dirty="0"/>
+          </a:p>
+        </p:txBody>
+      </p:sp>
+      <p:sp>
+        <p:nvSpPr>
+          <p:cNvPr id="12" name="Rectangle 11">
+            <a:extLst>
+              <a:ext uri="{FF2B5EF4-FFF2-40B4-BE49-F238E27FC236}">
+                <a16:creationId xmlns:a16="http://schemas.microsoft.com/office/drawing/2014/main" id="{2DE33C2A-9196-F40F-1B0C-36CE882A688D}"/>
               </a:ext>
             </a:extLst>
           </p:cNvPr>
@@ -5893,8 +6103,8 @@
         </p:nvSpPr>
         <p:spPr>
           <a:xfrm>
-            <a:off x="484938" y="1397985"/>
-            <a:ext cx="2569762" cy="4951194"/>
+            <a:off x="8362730" y="1008695"/>
+            <a:ext cx="3344334" cy="5336674"/>
           </a:xfrm>
           <a:prstGeom prst="rect">
             <a:avLst/>
@@ -5933,48 +6143,48 @@
           </a:p>
         </p:txBody>
       </p:sp>
-      <p:pic>
-        <p:nvPicPr>
-          <p:cNvPr id="23" name="Picture 22">
-            <a:extLst>
-              <a:ext uri="{FF2B5EF4-FFF2-40B4-BE49-F238E27FC236}">
-                <a16:creationId xmlns:a16="http://schemas.microsoft.com/office/drawing/2014/main" id="{2032CD6B-5222-2DFC-306B-1EB97F39F60F}"/>
-              </a:ext>
-            </a:extLst>
-          </p:cNvPr>
-          <p:cNvPicPr>
-            <a:picLocks noChangeAspect="1"/>
-          </p:cNvPicPr>
-          <p:nvPr/>
-        </p:nvPicPr>
-        <p:blipFill>
-          <a:blip r:embed="rId3">
-            <a:extLst>
-              <a:ext uri="{28A0092B-C50C-407E-A947-70E740481C1C}">
-                <a14:useLocalDpi xmlns:a14="http://schemas.microsoft.com/office/drawing/2010/main" val="0"/>
-              </a:ext>
-            </a:extLst>
-          </a:blip>
-          <a:stretch>
-            <a:fillRect/>
-          </a:stretch>
-        </p:blipFill>
-        <p:spPr>
-          <a:xfrm>
-            <a:off x="3054700" y="1007284"/>
-            <a:ext cx="8676581" cy="5341895"/>
-          </a:xfrm>
-          <a:prstGeom prst="rect">
-            <a:avLst/>
-          </a:prstGeom>
-        </p:spPr>
-      </p:pic>
-      <p:sp>
-        <p:nvSpPr>
-          <p:cNvPr id="24" name="Rectangle 23">
-            <a:extLst>
-              <a:ext uri="{FF2B5EF4-FFF2-40B4-BE49-F238E27FC236}">
-                <a16:creationId xmlns:a16="http://schemas.microsoft.com/office/drawing/2014/main" id="{EE580C78-3295-4D9C-E971-66634357D25E}"/>
+    </p:spTree>
+    <p:extLst>
+      <p:ext uri="{BB962C8B-B14F-4D97-AF65-F5344CB8AC3E}">
+        <p14:creationId xmlns:p14="http://schemas.microsoft.com/office/powerpoint/2010/main" val="2189940799"/>
+      </p:ext>
+    </p:extLst>
+  </p:cSld>
+  <p:clrMapOvr>
+    <a:masterClrMapping/>
+  </p:clrMapOvr>
+</p:sld>
+</file>
+
+<file path=ppt/slides/slide8.xml><?xml version="1.0" encoding="utf-8"?>
+<p:sld xmlns:a="http://schemas.openxmlformats.org/drawingml/2006/main" xmlns:r="http://schemas.openxmlformats.org/officeDocument/2006/relationships" xmlns:p="http://schemas.openxmlformats.org/presentationml/2006/main">
+  <p:cSld>
+    <p:spTree>
+      <p:nvGrpSpPr>
+        <p:cNvPr id="1" name="">
+          <a:extLst>
+            <a:ext uri="{FF2B5EF4-FFF2-40B4-BE49-F238E27FC236}">
+              <a16:creationId xmlns:a16="http://schemas.microsoft.com/office/drawing/2014/main" id="{19FC514C-2888-8EA6-6E58-3B219EFF4AF3}"/>
+            </a:ext>
+          </a:extLst>
+        </p:cNvPr>
+        <p:cNvGrpSpPr/>
+        <p:nvPr/>
+      </p:nvGrpSpPr>
+      <p:grpSpPr>
+        <a:xfrm>
+          <a:off x="0" y="0"/>
+          <a:ext cx="0" cy="0"/>
+          <a:chOff x="0" y="0"/>
+          <a:chExt cx="0" cy="0"/>
+        </a:xfrm>
+      </p:grpSpPr>
+      <p:sp>
+        <p:nvSpPr>
+          <p:cNvPr id="4" name="Rectangle 3">
+            <a:extLst>
+              <a:ext uri="{FF2B5EF4-FFF2-40B4-BE49-F238E27FC236}">
+                <a16:creationId xmlns:a16="http://schemas.microsoft.com/office/drawing/2014/main" id="{15889D85-4503-B2EC-E4E0-0772E33153D6}"/>
               </a:ext>
             </a:extLst>
           </p:cNvPr>
@@ -5983,8 +6193,8 @@
         </p:nvSpPr>
         <p:spPr>
           <a:xfrm>
-            <a:off x="3062775" y="1007284"/>
-            <a:ext cx="8660434" cy="5341895"/>
+            <a:off x="476864" y="508819"/>
+            <a:ext cx="11238271" cy="5840361"/>
           </a:xfrm>
           <a:prstGeom prst="rect">
             <a:avLst/>
@@ -6019,16 +6229,16 @@
           <a:lstStyle/>
           <a:p>
             <a:pPr algn="ctr"/>
-            <a:endParaRPr lang="en-IN" b="1" dirty="0"/>
-          </a:p>
-        </p:txBody>
-      </p:sp>
-      <p:sp>
-        <p:nvSpPr>
-          <p:cNvPr id="25" name="Rectangle 24">
-            <a:extLst>
-              <a:ext uri="{FF2B5EF4-FFF2-40B4-BE49-F238E27FC236}">
-                <a16:creationId xmlns:a16="http://schemas.microsoft.com/office/drawing/2014/main" id="{91D37156-70FE-CA2D-6762-CCBC1516A89A}"/>
+            <a:endParaRPr lang="en-IN"/>
+          </a:p>
+        </p:txBody>
+      </p:sp>
+      <p:sp>
+        <p:nvSpPr>
+          <p:cNvPr id="13" name="Rectangle 12">
+            <a:extLst>
+              <a:ext uri="{FF2B5EF4-FFF2-40B4-BE49-F238E27FC236}">
+                <a16:creationId xmlns:a16="http://schemas.microsoft.com/office/drawing/2014/main" id="{1A5B938F-B6BB-C9FA-A216-09D368CC9890}"/>
               </a:ext>
             </a:extLst>
           </p:cNvPr>
@@ -6037,8 +6247,8 @@
         </p:nvSpPr>
         <p:spPr>
           <a:xfrm>
-            <a:off x="3062774" y="1397985"/>
-            <a:ext cx="8652361" cy="4951194"/>
+            <a:off x="484937" y="508819"/>
+            <a:ext cx="11238271" cy="499876"/>
           </a:xfrm>
           <a:prstGeom prst="rect">
             <a:avLst/>
@@ -6079,10 +6289,10 @@
       </p:sp>
       <p:sp>
         <p:nvSpPr>
-          <p:cNvPr id="27" name="TextBox 26">
-            <a:extLst>
-              <a:ext uri="{FF2B5EF4-FFF2-40B4-BE49-F238E27FC236}">
-                <a16:creationId xmlns:a16="http://schemas.microsoft.com/office/drawing/2014/main" id="{4DD333CB-1CAE-61E3-7F41-EB9CCDB938D5}"/>
+          <p:cNvPr id="18" name="TextBox 17">
+            <a:extLst>
+              <a:ext uri="{FF2B5EF4-FFF2-40B4-BE49-F238E27FC236}">
+                <a16:creationId xmlns:a16="http://schemas.microsoft.com/office/drawing/2014/main" id="{A9161E65-1AC1-0516-D13D-1DCAF15FB3CF}"/>
               </a:ext>
             </a:extLst>
           </p:cNvPr>
@@ -6091,8 +6301,8 @@
         </p:nvSpPr>
         <p:spPr>
           <a:xfrm>
-            <a:off x="6447958" y="1014794"/>
-            <a:ext cx="8013560" cy="369332"/>
+            <a:off x="484936" y="512630"/>
+            <a:ext cx="6096000" cy="477054"/>
           </a:xfrm>
           <a:prstGeom prst="rect">
             <a:avLst/>
@@ -6105,17 +6315,186 @@
           </a:bodyPr>
           <a:lstStyle/>
           <a:p>
-            <a:r>
-              <a:rPr lang="en-IN" b="1" dirty="0"/>
-              <a:t>Web View</a:t>
-            </a:r>
-          </a:p>
-        </p:txBody>
-      </p:sp>
+            <a:pPr>
+              <a:buNone/>
+            </a:pPr>
+            <a:r>
+              <a:rPr lang="en-US" sz="2500" b="1" dirty="0">
+                <a:solidFill>
+                  <a:schemeClr val="accent1">
+                    <a:lumMod val="75000"/>
+                  </a:schemeClr>
+                </a:solidFill>
+              </a:rPr>
+              <a:t>Snapshots of the project :</a:t>
+            </a:r>
+          </a:p>
+        </p:txBody>
+      </p:sp>
+      <p:sp>
+        <p:nvSpPr>
+          <p:cNvPr id="3" name="AutoShape 4">
+            <a:extLst>
+              <a:ext uri="{FF2B5EF4-FFF2-40B4-BE49-F238E27FC236}">
+                <a16:creationId xmlns:a16="http://schemas.microsoft.com/office/drawing/2014/main" id="{23C86AE9-1C8C-6D08-D415-B2F8D3BC95CA}"/>
+              </a:ext>
+            </a:extLst>
+          </p:cNvPr>
+          <p:cNvSpPr>
+            <a:spLocks noChangeAspect="1" noChangeArrowheads="1"/>
+          </p:cNvSpPr>
+          <p:nvPr/>
+        </p:nvSpPr>
+        <p:spPr bwMode="auto">
+          <a:xfrm>
+            <a:off x="5943599" y="3276599"/>
+            <a:ext cx="2721077" cy="2721077"/>
+          </a:xfrm>
+          <a:prstGeom prst="rect">
+            <a:avLst/>
+          </a:prstGeom>
+          <a:noFill/>
+          <a:extLst>
+            <a:ext uri="{909E8E84-426E-40DD-AFC4-6F175D3DCCD1}">
+              <a14:hiddenFill xmlns:a14="http://schemas.microsoft.com/office/drawing/2010/main">
+                <a:solidFill>
+                  <a:srgbClr val="FFFFFF"/>
+                </a:solidFill>
+              </a14:hiddenFill>
+            </a:ext>
+          </a:extLst>
+        </p:spPr>
+        <p:txBody>
+          <a:bodyPr vert="horz" wrap="square" lIns="91440" tIns="45720" rIns="91440" bIns="45720" numCol="1" anchor="t" anchorCtr="0" compatLnSpc="1">
+            <a:prstTxWarp prst="textNoShape">
+              <a:avLst/>
+            </a:prstTxWarp>
+          </a:bodyPr>
+          <a:lstStyle/>
+          <a:p>
+            <a:endParaRPr lang="en-IN"/>
+          </a:p>
+        </p:txBody>
+      </p:sp>
+      <p:sp>
+        <p:nvSpPr>
+          <p:cNvPr id="5" name="AutoShape 6">
+            <a:extLst>
+              <a:ext uri="{FF2B5EF4-FFF2-40B4-BE49-F238E27FC236}">
+                <a16:creationId xmlns:a16="http://schemas.microsoft.com/office/drawing/2014/main" id="{C57FF668-EE15-A64D-2CCD-BBC6035E5274}"/>
+              </a:ext>
+            </a:extLst>
+          </p:cNvPr>
+          <p:cNvSpPr>
+            <a:spLocks noChangeAspect="1" noChangeArrowheads="1"/>
+          </p:cNvSpPr>
+          <p:nvPr/>
+        </p:nvSpPr>
+        <p:spPr bwMode="auto">
+          <a:xfrm>
+            <a:off x="-3839496" y="3964857"/>
+            <a:ext cx="2268794" cy="2268794"/>
+          </a:xfrm>
+          <a:prstGeom prst="rect">
+            <a:avLst/>
+          </a:prstGeom>
+          <a:noFill/>
+          <a:extLst>
+            <a:ext uri="{909E8E84-426E-40DD-AFC4-6F175D3DCCD1}">
+              <a14:hiddenFill xmlns:a14="http://schemas.microsoft.com/office/drawing/2010/main">
+                <a:solidFill>
+                  <a:srgbClr val="FFFFFF"/>
+                </a:solidFill>
+              </a14:hiddenFill>
+            </a:ext>
+          </a:extLst>
+        </p:spPr>
+        <p:txBody>
+          <a:bodyPr vert="horz" wrap="square" lIns="91440" tIns="45720" rIns="91440" bIns="45720" numCol="1" anchor="t" anchorCtr="0" compatLnSpc="1">
+            <a:prstTxWarp prst="textNoShape">
+              <a:avLst/>
+            </a:prstTxWarp>
+          </a:bodyPr>
+          <a:lstStyle/>
+          <a:p>
+            <a:endParaRPr lang="en-IN"/>
+          </a:p>
+        </p:txBody>
+      </p:sp>
+      <p:sp>
+        <p:nvSpPr>
+          <p:cNvPr id="6" name="TextBox 5">
+            <a:extLst>
+              <a:ext uri="{FF2B5EF4-FFF2-40B4-BE49-F238E27FC236}">
+                <a16:creationId xmlns:a16="http://schemas.microsoft.com/office/drawing/2014/main" id="{0C25CF53-FBB9-8E5A-DE4B-EDB69245A49F}"/>
+              </a:ext>
+            </a:extLst>
+          </p:cNvPr>
+          <p:cNvSpPr txBox="1"/>
+          <p:nvPr/>
+        </p:nvSpPr>
+        <p:spPr>
+          <a:xfrm>
+            <a:off x="4771186" y="1008695"/>
+            <a:ext cx="8015286" cy="369332"/>
+          </a:xfrm>
+          <a:prstGeom prst="rect">
+            <a:avLst/>
+          </a:prstGeom>
+          <a:noFill/>
+        </p:spPr>
+        <p:txBody>
+          <a:bodyPr wrap="square">
+            <a:spAutoFit/>
+          </a:bodyPr>
+          <a:lstStyle/>
+          <a:p>
+            <a:pPr>
+              <a:buNone/>
+            </a:pPr>
+            <a:r>
+              <a:rPr lang="en-US" b="1" dirty="0"/>
+              <a:t>Q&amp;A AI Assistant View </a:t>
+            </a:r>
+            <a:endParaRPr lang="en-US" sz="1800" b="1" dirty="0"/>
+          </a:p>
+        </p:txBody>
+      </p:sp>
+      <p:pic>
+        <p:nvPicPr>
+          <p:cNvPr id="7" name="Picture 6">
+            <a:extLst>
+              <a:ext uri="{FF2B5EF4-FFF2-40B4-BE49-F238E27FC236}">
+                <a16:creationId xmlns:a16="http://schemas.microsoft.com/office/drawing/2014/main" id="{B94557AF-8304-76EB-4AFE-0691212EB39C}"/>
+              </a:ext>
+            </a:extLst>
+          </p:cNvPr>
+          <p:cNvPicPr>
+            <a:picLocks noChangeAspect="1"/>
+          </p:cNvPicPr>
+          <p:nvPr/>
+        </p:nvPicPr>
+        <p:blipFill>
+          <a:blip r:embed="rId2"/>
+          <a:srcRect t="8751" b="4722"/>
+          <a:stretch>
+            <a:fillRect/>
+          </a:stretch>
+        </p:blipFill>
+        <p:spPr>
+          <a:xfrm>
+            <a:off x="1033462" y="1378027"/>
+            <a:ext cx="10125075" cy="4928065"/>
+          </a:xfrm>
+          <a:prstGeom prst="rect">
+            <a:avLst/>
+          </a:prstGeom>
+        </p:spPr>
+      </p:pic>
     </p:spTree>
     <p:extLst>
       <p:ext uri="{BB962C8B-B14F-4D97-AF65-F5344CB8AC3E}">
-        <p14:creationId xmlns:p14="http://schemas.microsoft.com/office/powerpoint/2010/main" val="2189940799"/>
+        <p14:creationId xmlns:p14="http://schemas.microsoft.com/office/powerpoint/2010/main" val="1559715031"/>
       </p:ext>
     </p:extLst>
   </p:cSld>
